--- a/src/kimbongkook/p20190401/JSP내장객체.pptx
+++ b/src/kimbongkook/p20190401/JSP내장객체.pptx
@@ -15,24 +15,26 @@
     <p:sldId id="265" r:id="rId9"/>
     <p:sldId id="266" r:id="rId10"/>
     <p:sldId id="267" r:id="rId11"/>
-    <p:sldId id="263" r:id="rId12"/>
+    <p:sldId id="269" r:id="rId12"/>
+    <p:sldId id="270" r:id="rId13"/>
+    <p:sldId id="263" r:id="rId14"/>
   </p:sldIdLst>
   <p:sldSz cx="9144000" cy="5143500" type="screen16x9"/>
   <p:notesSz cx="6858000" cy="9144000"/>
   <p:embeddedFontLst>
     <p:embeddedFont>
       <p:font typeface="나눔바른고딕" panose="020B0603020101020101" pitchFamily="50" charset="-127"/>
-      <p:regular r:id="rId13"/>
-      <p:bold r:id="rId14"/>
+      <p:regular r:id="rId15"/>
+      <p:bold r:id="rId16"/>
     </p:embeddedFont>
     <p:embeddedFont>
       <p:font typeface="나눔스퀘어 Bold" panose="020B0600000101010101" pitchFamily="50" charset="-127"/>
-      <p:bold r:id="rId15"/>
+      <p:bold r:id="rId17"/>
     </p:embeddedFont>
     <p:embeddedFont>
       <p:font typeface="맑은 고딕" panose="020B0503020000020004" pitchFamily="50" charset="-127"/>
-      <p:regular r:id="rId16"/>
-      <p:bold r:id="rId17"/>
+      <p:regular r:id="rId18"/>
+      <p:bold r:id="rId19"/>
     </p:embeddedFont>
   </p:embeddedFontLst>
   <p:defaultTextStyle>
@@ -1507,6 +1509,254 @@
 </p:sld>
 </file>
 
+<file path=ppt/slides/slide10.xml><?xml version="1.0" encoding="utf-8"?>
+<p:sld xmlns:a="http://schemas.openxmlformats.org/drawingml/2006/main" xmlns:r="http://schemas.openxmlformats.org/officeDocument/2006/relationships" xmlns:p="http://schemas.openxmlformats.org/presentationml/2006/main">
+  <p:cSld>
+    <p:spTree>
+      <p:nvGrpSpPr>
+        <p:cNvPr id="1" name=""/>
+        <p:cNvGrpSpPr/>
+        <p:nvPr/>
+      </p:nvGrpSpPr>
+      <p:grpSpPr>
+        <a:xfrm>
+          <a:off x="0" y="0"/>
+          <a:ext cx="0" cy="0"/>
+          <a:chOff x="0" y="0"/>
+          <a:chExt cx="0" cy="0"/>
+        </a:xfrm>
+      </p:grpSpPr>
+      <p:sp>
+        <p:nvSpPr>
+          <p:cNvPr id="21" name="TextBox 20"/>
+          <p:cNvSpPr txBox="1"/>
+          <p:nvPr/>
+        </p:nvSpPr>
+        <p:spPr>
+          <a:xfrm>
+            <a:off x="210024" y="76071"/>
+            <a:ext cx="465192" cy="707886"/>
+          </a:xfrm>
+          <a:prstGeom prst="rect">
+            <a:avLst/>
+          </a:prstGeom>
+          <a:noFill/>
+        </p:spPr>
+        <p:txBody>
+          <a:bodyPr wrap="none" rtlCol="0">
+            <a:spAutoFit/>
+          </a:bodyPr>
+          <a:lstStyle/>
+          <a:p>
+            <a:pPr algn="ctr"/>
+            <a:r>
+              <a:rPr lang="en-US" altLang="ko-KR" sz="4000" b="1" spc="-150" dirty="0">
+                <a:solidFill>
+                  <a:schemeClr val="bg1"/>
+                </a:solidFill>
+                <a:latin typeface="나눔바른고딕" panose="020B0603020101020101" pitchFamily="50" charset="-127"/>
+                <a:ea typeface="나눔바른고딕" panose="020B0603020101020101" pitchFamily="50" charset="-127"/>
+              </a:rPr>
+              <a:t>2</a:t>
+            </a:r>
+            <a:endParaRPr lang="ko-KR" altLang="en-US" sz="4000" b="1" spc="-150" dirty="0">
+              <a:solidFill>
+                <a:schemeClr val="bg1"/>
+              </a:solidFill>
+              <a:latin typeface="나눔바른고딕" panose="020B0603020101020101" pitchFamily="50" charset="-127"/>
+              <a:ea typeface="나눔바른고딕" panose="020B0603020101020101" pitchFamily="50" charset="-127"/>
+            </a:endParaRPr>
+          </a:p>
+        </p:txBody>
+      </p:sp>
+      <p:sp>
+        <p:nvSpPr>
+          <p:cNvPr id="22" name="TextBox 21"/>
+          <p:cNvSpPr txBox="1"/>
+          <p:nvPr/>
+        </p:nvSpPr>
+        <p:spPr>
+          <a:xfrm>
+            <a:off x="961562" y="125219"/>
+            <a:ext cx="1420582" cy="646331"/>
+          </a:xfrm>
+          <a:prstGeom prst="rect">
+            <a:avLst/>
+          </a:prstGeom>
+          <a:noFill/>
+        </p:spPr>
+        <p:txBody>
+          <a:bodyPr wrap="none" rtlCol="0">
+            <a:spAutoFit/>
+          </a:bodyPr>
+          <a:lstStyle/>
+          <a:p>
+            <a:pPr algn="ctr"/>
+            <a:r>
+              <a:rPr lang="ko-KR" altLang="en-US" sz="3600" b="1" dirty="0" err="1">
+                <a:solidFill>
+                  <a:srgbClr val="F45452"/>
+                </a:solidFill>
+                <a:latin typeface="나눔바른고딕" panose="020B0603020101020101" pitchFamily="50" charset="-127"/>
+                <a:ea typeface="나눔바른고딕" panose="020B0603020101020101" pitchFamily="50" charset="-127"/>
+              </a:rPr>
+              <a:t>스코프</a:t>
+            </a:r>
+            <a:endParaRPr lang="ko-KR" altLang="en-US" sz="3600" b="1" dirty="0">
+              <a:solidFill>
+                <a:srgbClr val="F45452"/>
+              </a:solidFill>
+              <a:latin typeface="나눔바른고딕" panose="020B0603020101020101" pitchFamily="50" charset="-127"/>
+              <a:ea typeface="나눔바른고딕" panose="020B0603020101020101" pitchFamily="50" charset="-127"/>
+            </a:endParaRPr>
+          </a:p>
+        </p:txBody>
+      </p:sp>
+      <p:pic>
+        <p:nvPicPr>
+          <p:cNvPr id="4" name="그림 3">
+            <a:extLst>
+              <a:ext uri="{FF2B5EF4-FFF2-40B4-BE49-F238E27FC236}">
+                <a16:creationId xmlns:a16="http://schemas.microsoft.com/office/drawing/2014/main" id="{7BCD20F6-B343-410E-AA80-388A9A07B7FF}"/>
+              </a:ext>
+            </a:extLst>
+          </p:cNvPr>
+          <p:cNvPicPr>
+            <a:picLocks noChangeAspect="1"/>
+          </p:cNvPicPr>
+          <p:nvPr/>
+        </p:nvPicPr>
+        <p:blipFill>
+          <a:blip r:embed="rId2"/>
+          <a:stretch>
+            <a:fillRect/>
+          </a:stretch>
+        </p:blipFill>
+        <p:spPr>
+          <a:xfrm>
+            <a:off x="385762" y="2663803"/>
+            <a:ext cx="8372475" cy="2171700"/>
+          </a:xfrm>
+          <a:prstGeom prst="rect">
+            <a:avLst/>
+          </a:prstGeom>
+        </p:spPr>
+      </p:pic>
+      <p:pic>
+        <p:nvPicPr>
+          <p:cNvPr id="6" name="그림 5">
+            <a:extLst>
+              <a:ext uri="{FF2B5EF4-FFF2-40B4-BE49-F238E27FC236}">
+                <a16:creationId xmlns:a16="http://schemas.microsoft.com/office/drawing/2014/main" id="{2D69D5D2-56C3-4FF5-8F56-305AE157FBC7}"/>
+              </a:ext>
+            </a:extLst>
+          </p:cNvPr>
+          <p:cNvPicPr>
+            <a:picLocks noChangeAspect="1"/>
+          </p:cNvPicPr>
+          <p:nvPr/>
+        </p:nvPicPr>
+        <p:blipFill>
+          <a:blip r:embed="rId3"/>
+          <a:stretch>
+            <a:fillRect/>
+          </a:stretch>
+        </p:blipFill>
+        <p:spPr>
+          <a:xfrm>
+            <a:off x="385760" y="783957"/>
+            <a:ext cx="8146680" cy="1739578"/>
+          </a:xfrm>
+          <a:prstGeom prst="rect">
+            <a:avLst/>
+          </a:prstGeom>
+        </p:spPr>
+      </p:pic>
+    </p:spTree>
+    <p:extLst>
+      <p:ext uri="{BB962C8B-B14F-4D97-AF65-F5344CB8AC3E}">
+        <p14:creationId xmlns:p14="http://schemas.microsoft.com/office/powerpoint/2010/main" val="1157486214"/>
+      </p:ext>
+    </p:extLst>
+  </p:cSld>
+  <p:clrMapOvr>
+    <a:masterClrMapping/>
+  </p:clrMapOvr>
+</p:sld>
+</file>
+
+<file path=ppt/slides/slide11.xml><?xml version="1.0" encoding="utf-8"?>
+<p:sld xmlns:a="http://schemas.openxmlformats.org/drawingml/2006/main" xmlns:r="http://schemas.openxmlformats.org/officeDocument/2006/relationships" xmlns:p="http://schemas.openxmlformats.org/presentationml/2006/main">
+  <p:cSld>
+    <p:spTree>
+      <p:nvGrpSpPr>
+        <p:cNvPr id="1" name=""/>
+        <p:cNvGrpSpPr/>
+        <p:nvPr/>
+      </p:nvGrpSpPr>
+      <p:grpSpPr>
+        <a:xfrm>
+          <a:off x="0" y="0"/>
+          <a:ext cx="0" cy="0"/>
+          <a:chOff x="0" y="0"/>
+          <a:chExt cx="0" cy="0"/>
+        </a:xfrm>
+      </p:grpSpPr>
+      <p:sp>
+        <p:nvSpPr>
+          <p:cNvPr id="7" name="TextBox 6"/>
+          <p:cNvSpPr txBox="1"/>
+          <p:nvPr/>
+        </p:nvSpPr>
+        <p:spPr>
+          <a:xfrm>
+            <a:off x="2773816" y="1988229"/>
+            <a:ext cx="3596369" cy="830997"/>
+          </a:xfrm>
+          <a:prstGeom prst="rect">
+            <a:avLst/>
+          </a:prstGeom>
+          <a:noFill/>
+        </p:spPr>
+        <p:txBody>
+          <a:bodyPr wrap="none" rtlCol="0">
+            <a:spAutoFit/>
+          </a:bodyPr>
+          <a:lstStyle/>
+          <a:p>
+            <a:r>
+              <a:rPr lang="en-US" altLang="ko-KR" sz="4800" dirty="0">
+                <a:solidFill>
+                  <a:srgbClr val="F45452"/>
+                </a:solidFill>
+                <a:latin typeface="나눔스퀘어 Bold" panose="020B0600000101010101" pitchFamily="50" charset="-127"/>
+                <a:ea typeface="나눔스퀘어 Bold" panose="020B0600000101010101" pitchFamily="50" charset="-127"/>
+              </a:rPr>
+              <a:t>THANK YOU</a:t>
+            </a:r>
+            <a:endParaRPr lang="ko-KR" altLang="en-US" sz="4800" dirty="0">
+              <a:solidFill>
+                <a:srgbClr val="F45452"/>
+              </a:solidFill>
+              <a:latin typeface="나눔스퀘어 Bold" panose="020B0600000101010101" pitchFamily="50" charset="-127"/>
+              <a:ea typeface="나눔스퀘어 Bold" panose="020B0600000101010101" pitchFamily="50" charset="-127"/>
+            </a:endParaRPr>
+          </a:p>
+        </p:txBody>
+      </p:sp>
+    </p:spTree>
+    <p:extLst>
+      <p:ext uri="{BB962C8B-B14F-4D97-AF65-F5344CB8AC3E}">
+        <p14:creationId xmlns:p14="http://schemas.microsoft.com/office/powerpoint/2010/main" val="4159410129"/>
+      </p:ext>
+    </p:extLst>
+  </p:cSld>
+  <p:clrMapOvr>
+    <a:masterClrMapping/>
+  </p:clrMapOvr>
+</p:sld>
+</file>
+
 <file path=ppt/slides/slide2.xml><?xml version="1.0" encoding="utf-8"?>
 <p:sld xmlns:a="http://schemas.openxmlformats.org/drawingml/2006/main" xmlns:r="http://schemas.openxmlformats.org/officeDocument/2006/relationships" xmlns:p="http://schemas.openxmlformats.org/presentationml/2006/main">
   <p:cSld>
@@ -3383,14 +3633,14 @@
       </p:grpSpPr>
       <p:sp>
         <p:nvSpPr>
-          <p:cNvPr id="7" name="TextBox 6"/>
+          <p:cNvPr id="21" name="TextBox 20"/>
           <p:cNvSpPr txBox="1"/>
           <p:nvPr/>
         </p:nvSpPr>
         <p:spPr>
           <a:xfrm>
-            <a:off x="2773816" y="1988229"/>
-            <a:ext cx="3596369" cy="830997"/>
+            <a:off x="210024" y="76071"/>
+            <a:ext cx="465192" cy="707886"/>
           </a:xfrm>
           <a:prstGeom prst="rect">
             <a:avLst/>
@@ -3403,30 +3653,134 @@
           </a:bodyPr>
           <a:lstStyle/>
           <a:p>
-            <a:r>
-              <a:rPr lang="en-US" altLang="ko-KR" sz="4800" dirty="0">
+            <a:pPr algn="ctr"/>
+            <a:r>
+              <a:rPr lang="en-US" altLang="ko-KR" sz="4000" b="1" spc="-150" dirty="0">
+                <a:solidFill>
+                  <a:schemeClr val="bg1"/>
+                </a:solidFill>
+                <a:latin typeface="나눔바른고딕" panose="020B0603020101020101" pitchFamily="50" charset="-127"/>
+                <a:ea typeface="나눔바른고딕" panose="020B0603020101020101" pitchFamily="50" charset="-127"/>
+              </a:rPr>
+              <a:t>2</a:t>
+            </a:r>
+            <a:endParaRPr lang="ko-KR" altLang="en-US" sz="4000" b="1" spc="-150" dirty="0">
+              <a:solidFill>
+                <a:schemeClr val="bg1"/>
+              </a:solidFill>
+              <a:latin typeface="나눔바른고딕" panose="020B0603020101020101" pitchFamily="50" charset="-127"/>
+              <a:ea typeface="나눔바른고딕" panose="020B0603020101020101" pitchFamily="50" charset="-127"/>
+            </a:endParaRPr>
+          </a:p>
+        </p:txBody>
+      </p:sp>
+      <p:sp>
+        <p:nvSpPr>
+          <p:cNvPr id="22" name="TextBox 21"/>
+          <p:cNvSpPr txBox="1"/>
+          <p:nvPr/>
+        </p:nvSpPr>
+        <p:spPr>
+          <a:xfrm>
+            <a:off x="961562" y="125219"/>
+            <a:ext cx="1420582" cy="646331"/>
+          </a:xfrm>
+          <a:prstGeom prst="rect">
+            <a:avLst/>
+          </a:prstGeom>
+          <a:noFill/>
+        </p:spPr>
+        <p:txBody>
+          <a:bodyPr wrap="none" rtlCol="0">
+            <a:spAutoFit/>
+          </a:bodyPr>
+          <a:lstStyle/>
+          <a:p>
+            <a:pPr algn="ctr"/>
+            <a:r>
+              <a:rPr lang="ko-KR" altLang="en-US" sz="3600" b="1" dirty="0" err="1">
                 <a:solidFill>
                   <a:srgbClr val="F45452"/>
                 </a:solidFill>
-                <a:latin typeface="나눔스퀘어 Bold" panose="020B0600000101010101" pitchFamily="50" charset="-127"/>
-                <a:ea typeface="나눔스퀘어 Bold" panose="020B0600000101010101" pitchFamily="50" charset="-127"/>
-              </a:rPr>
-              <a:t>THANK YOU</a:t>
-            </a:r>
-            <a:endParaRPr lang="ko-KR" altLang="en-US" sz="4800" dirty="0">
+                <a:latin typeface="나눔바른고딕" panose="020B0603020101020101" pitchFamily="50" charset="-127"/>
+                <a:ea typeface="나눔바른고딕" panose="020B0603020101020101" pitchFamily="50" charset="-127"/>
+              </a:rPr>
+              <a:t>스코프</a:t>
+            </a:r>
+            <a:endParaRPr lang="ko-KR" altLang="en-US" sz="3600" b="1" dirty="0">
               <a:solidFill>
                 <a:srgbClr val="F45452"/>
               </a:solidFill>
-              <a:latin typeface="나눔스퀘어 Bold" panose="020B0600000101010101" pitchFamily="50" charset="-127"/>
-              <a:ea typeface="나눔스퀘어 Bold" panose="020B0600000101010101" pitchFamily="50" charset="-127"/>
+              <a:latin typeface="나눔바른고딕" panose="020B0603020101020101" pitchFamily="50" charset="-127"/>
+              <a:ea typeface="나눔바른고딕" panose="020B0603020101020101" pitchFamily="50" charset="-127"/>
             </a:endParaRPr>
           </a:p>
         </p:txBody>
       </p:sp>
+      <p:pic>
+        <p:nvPicPr>
+          <p:cNvPr id="2" name="그림 1">
+            <a:extLst>
+              <a:ext uri="{FF2B5EF4-FFF2-40B4-BE49-F238E27FC236}">
+                <a16:creationId xmlns:a16="http://schemas.microsoft.com/office/drawing/2014/main" id="{7EA2D0CA-8B5D-4C2C-BFCA-6157A9121973}"/>
+              </a:ext>
+            </a:extLst>
+          </p:cNvPr>
+          <p:cNvPicPr>
+            <a:picLocks noChangeAspect="1"/>
+          </p:cNvPicPr>
+          <p:nvPr/>
+        </p:nvPicPr>
+        <p:blipFill>
+          <a:blip r:embed="rId2"/>
+          <a:stretch>
+            <a:fillRect/>
+          </a:stretch>
+        </p:blipFill>
+        <p:spPr>
+          <a:xfrm>
+            <a:off x="390525" y="2694011"/>
+            <a:ext cx="8362950" cy="2190750"/>
+          </a:xfrm>
+          <a:prstGeom prst="rect">
+            <a:avLst/>
+          </a:prstGeom>
+        </p:spPr>
+      </p:pic>
+      <p:pic>
+        <p:nvPicPr>
+          <p:cNvPr id="3" name="그림 2">
+            <a:extLst>
+              <a:ext uri="{FF2B5EF4-FFF2-40B4-BE49-F238E27FC236}">
+                <a16:creationId xmlns:a16="http://schemas.microsoft.com/office/drawing/2014/main" id="{144B9485-ADB7-4ED6-8A0D-5BAC23D81F63}"/>
+              </a:ext>
+            </a:extLst>
+          </p:cNvPr>
+          <p:cNvPicPr>
+            <a:picLocks noChangeAspect="1"/>
+          </p:cNvPicPr>
+          <p:nvPr/>
+        </p:nvPicPr>
+        <p:blipFill>
+          <a:blip r:embed="rId3"/>
+          <a:stretch>
+            <a:fillRect/>
+          </a:stretch>
+        </p:blipFill>
+        <p:spPr>
+          <a:xfrm>
+            <a:off x="323528" y="821802"/>
+            <a:ext cx="8362950" cy="1834080"/>
+          </a:xfrm>
+          <a:prstGeom prst="rect">
+            <a:avLst/>
+          </a:prstGeom>
+        </p:spPr>
+      </p:pic>
     </p:spTree>
     <p:extLst>
       <p:ext uri="{BB962C8B-B14F-4D97-AF65-F5344CB8AC3E}">
-        <p14:creationId xmlns:p14="http://schemas.microsoft.com/office/powerpoint/2010/main" val="4159410129"/>
+        <p14:creationId xmlns:p14="http://schemas.microsoft.com/office/powerpoint/2010/main" val="200008041"/>
       </p:ext>
     </p:extLst>
   </p:cSld>

--- a/src/kimbongkook/p20190401/JSP내장객체.pptx
+++ b/src/kimbongkook/p20190401/JSP내장객체.pptx
@@ -15,26 +15,24 @@
     <p:sldId id="265" r:id="rId9"/>
     <p:sldId id="266" r:id="rId10"/>
     <p:sldId id="267" r:id="rId11"/>
-    <p:sldId id="269" r:id="rId12"/>
-    <p:sldId id="270" r:id="rId13"/>
-    <p:sldId id="263" r:id="rId14"/>
+    <p:sldId id="263" r:id="rId12"/>
   </p:sldIdLst>
   <p:sldSz cx="9144000" cy="5143500" type="screen16x9"/>
   <p:notesSz cx="6858000" cy="9144000"/>
   <p:embeddedFontLst>
     <p:embeddedFont>
       <p:font typeface="나눔바른고딕" panose="020B0603020101020101" pitchFamily="50" charset="-127"/>
-      <p:regular r:id="rId15"/>
-      <p:bold r:id="rId16"/>
+      <p:regular r:id="rId13"/>
+      <p:bold r:id="rId14"/>
     </p:embeddedFont>
     <p:embeddedFont>
       <p:font typeface="나눔스퀘어 Bold" panose="020B0600000101010101" pitchFamily="50" charset="-127"/>
-      <p:bold r:id="rId17"/>
+      <p:bold r:id="rId15"/>
     </p:embeddedFont>
     <p:embeddedFont>
       <p:font typeface="맑은 고딕" panose="020B0503020000020004" pitchFamily="50" charset="-127"/>
-      <p:regular r:id="rId18"/>
-      <p:bold r:id="rId19"/>
+      <p:regular r:id="rId16"/>
+      <p:bold r:id="rId17"/>
     </p:embeddedFont>
   </p:embeddedFontLst>
   <p:defaultTextStyle>
@@ -1509,254 +1507,6 @@
 </p:sld>
 </file>
 
-<file path=ppt/slides/slide10.xml><?xml version="1.0" encoding="utf-8"?>
-<p:sld xmlns:a="http://schemas.openxmlformats.org/drawingml/2006/main" xmlns:r="http://schemas.openxmlformats.org/officeDocument/2006/relationships" xmlns:p="http://schemas.openxmlformats.org/presentationml/2006/main">
-  <p:cSld>
-    <p:spTree>
-      <p:nvGrpSpPr>
-        <p:cNvPr id="1" name=""/>
-        <p:cNvGrpSpPr/>
-        <p:nvPr/>
-      </p:nvGrpSpPr>
-      <p:grpSpPr>
-        <a:xfrm>
-          <a:off x="0" y="0"/>
-          <a:ext cx="0" cy="0"/>
-          <a:chOff x="0" y="0"/>
-          <a:chExt cx="0" cy="0"/>
-        </a:xfrm>
-      </p:grpSpPr>
-      <p:sp>
-        <p:nvSpPr>
-          <p:cNvPr id="21" name="TextBox 20"/>
-          <p:cNvSpPr txBox="1"/>
-          <p:nvPr/>
-        </p:nvSpPr>
-        <p:spPr>
-          <a:xfrm>
-            <a:off x="210024" y="76071"/>
-            <a:ext cx="465192" cy="707886"/>
-          </a:xfrm>
-          <a:prstGeom prst="rect">
-            <a:avLst/>
-          </a:prstGeom>
-          <a:noFill/>
-        </p:spPr>
-        <p:txBody>
-          <a:bodyPr wrap="none" rtlCol="0">
-            <a:spAutoFit/>
-          </a:bodyPr>
-          <a:lstStyle/>
-          <a:p>
-            <a:pPr algn="ctr"/>
-            <a:r>
-              <a:rPr lang="en-US" altLang="ko-KR" sz="4000" b="1" spc="-150" dirty="0">
-                <a:solidFill>
-                  <a:schemeClr val="bg1"/>
-                </a:solidFill>
-                <a:latin typeface="나눔바른고딕" panose="020B0603020101020101" pitchFamily="50" charset="-127"/>
-                <a:ea typeface="나눔바른고딕" panose="020B0603020101020101" pitchFamily="50" charset="-127"/>
-              </a:rPr>
-              <a:t>2</a:t>
-            </a:r>
-            <a:endParaRPr lang="ko-KR" altLang="en-US" sz="4000" b="1" spc="-150" dirty="0">
-              <a:solidFill>
-                <a:schemeClr val="bg1"/>
-              </a:solidFill>
-              <a:latin typeface="나눔바른고딕" panose="020B0603020101020101" pitchFamily="50" charset="-127"/>
-              <a:ea typeface="나눔바른고딕" panose="020B0603020101020101" pitchFamily="50" charset="-127"/>
-            </a:endParaRPr>
-          </a:p>
-        </p:txBody>
-      </p:sp>
-      <p:sp>
-        <p:nvSpPr>
-          <p:cNvPr id="22" name="TextBox 21"/>
-          <p:cNvSpPr txBox="1"/>
-          <p:nvPr/>
-        </p:nvSpPr>
-        <p:spPr>
-          <a:xfrm>
-            <a:off x="961562" y="125219"/>
-            <a:ext cx="1420582" cy="646331"/>
-          </a:xfrm>
-          <a:prstGeom prst="rect">
-            <a:avLst/>
-          </a:prstGeom>
-          <a:noFill/>
-        </p:spPr>
-        <p:txBody>
-          <a:bodyPr wrap="none" rtlCol="0">
-            <a:spAutoFit/>
-          </a:bodyPr>
-          <a:lstStyle/>
-          <a:p>
-            <a:pPr algn="ctr"/>
-            <a:r>
-              <a:rPr lang="ko-KR" altLang="en-US" sz="3600" b="1" dirty="0" err="1">
-                <a:solidFill>
-                  <a:srgbClr val="F45452"/>
-                </a:solidFill>
-                <a:latin typeface="나눔바른고딕" panose="020B0603020101020101" pitchFamily="50" charset="-127"/>
-                <a:ea typeface="나눔바른고딕" panose="020B0603020101020101" pitchFamily="50" charset="-127"/>
-              </a:rPr>
-              <a:t>스코프</a:t>
-            </a:r>
-            <a:endParaRPr lang="ko-KR" altLang="en-US" sz="3600" b="1" dirty="0">
-              <a:solidFill>
-                <a:srgbClr val="F45452"/>
-              </a:solidFill>
-              <a:latin typeface="나눔바른고딕" panose="020B0603020101020101" pitchFamily="50" charset="-127"/>
-              <a:ea typeface="나눔바른고딕" panose="020B0603020101020101" pitchFamily="50" charset="-127"/>
-            </a:endParaRPr>
-          </a:p>
-        </p:txBody>
-      </p:sp>
-      <p:pic>
-        <p:nvPicPr>
-          <p:cNvPr id="4" name="그림 3">
-            <a:extLst>
-              <a:ext uri="{FF2B5EF4-FFF2-40B4-BE49-F238E27FC236}">
-                <a16:creationId xmlns:a16="http://schemas.microsoft.com/office/drawing/2014/main" id="{7BCD20F6-B343-410E-AA80-388A9A07B7FF}"/>
-              </a:ext>
-            </a:extLst>
-          </p:cNvPr>
-          <p:cNvPicPr>
-            <a:picLocks noChangeAspect="1"/>
-          </p:cNvPicPr>
-          <p:nvPr/>
-        </p:nvPicPr>
-        <p:blipFill>
-          <a:blip r:embed="rId2"/>
-          <a:stretch>
-            <a:fillRect/>
-          </a:stretch>
-        </p:blipFill>
-        <p:spPr>
-          <a:xfrm>
-            <a:off x="385762" y="2663803"/>
-            <a:ext cx="8372475" cy="2171700"/>
-          </a:xfrm>
-          <a:prstGeom prst="rect">
-            <a:avLst/>
-          </a:prstGeom>
-        </p:spPr>
-      </p:pic>
-      <p:pic>
-        <p:nvPicPr>
-          <p:cNvPr id="6" name="그림 5">
-            <a:extLst>
-              <a:ext uri="{FF2B5EF4-FFF2-40B4-BE49-F238E27FC236}">
-                <a16:creationId xmlns:a16="http://schemas.microsoft.com/office/drawing/2014/main" id="{2D69D5D2-56C3-4FF5-8F56-305AE157FBC7}"/>
-              </a:ext>
-            </a:extLst>
-          </p:cNvPr>
-          <p:cNvPicPr>
-            <a:picLocks noChangeAspect="1"/>
-          </p:cNvPicPr>
-          <p:nvPr/>
-        </p:nvPicPr>
-        <p:blipFill>
-          <a:blip r:embed="rId3"/>
-          <a:stretch>
-            <a:fillRect/>
-          </a:stretch>
-        </p:blipFill>
-        <p:spPr>
-          <a:xfrm>
-            <a:off x="385760" y="783957"/>
-            <a:ext cx="8146680" cy="1739578"/>
-          </a:xfrm>
-          <a:prstGeom prst="rect">
-            <a:avLst/>
-          </a:prstGeom>
-        </p:spPr>
-      </p:pic>
-    </p:spTree>
-    <p:extLst>
-      <p:ext uri="{BB962C8B-B14F-4D97-AF65-F5344CB8AC3E}">
-        <p14:creationId xmlns:p14="http://schemas.microsoft.com/office/powerpoint/2010/main" val="1157486214"/>
-      </p:ext>
-    </p:extLst>
-  </p:cSld>
-  <p:clrMapOvr>
-    <a:masterClrMapping/>
-  </p:clrMapOvr>
-</p:sld>
-</file>
-
-<file path=ppt/slides/slide11.xml><?xml version="1.0" encoding="utf-8"?>
-<p:sld xmlns:a="http://schemas.openxmlformats.org/drawingml/2006/main" xmlns:r="http://schemas.openxmlformats.org/officeDocument/2006/relationships" xmlns:p="http://schemas.openxmlformats.org/presentationml/2006/main">
-  <p:cSld>
-    <p:spTree>
-      <p:nvGrpSpPr>
-        <p:cNvPr id="1" name=""/>
-        <p:cNvGrpSpPr/>
-        <p:nvPr/>
-      </p:nvGrpSpPr>
-      <p:grpSpPr>
-        <a:xfrm>
-          <a:off x="0" y="0"/>
-          <a:ext cx="0" cy="0"/>
-          <a:chOff x="0" y="0"/>
-          <a:chExt cx="0" cy="0"/>
-        </a:xfrm>
-      </p:grpSpPr>
-      <p:sp>
-        <p:nvSpPr>
-          <p:cNvPr id="7" name="TextBox 6"/>
-          <p:cNvSpPr txBox="1"/>
-          <p:nvPr/>
-        </p:nvSpPr>
-        <p:spPr>
-          <a:xfrm>
-            <a:off x="2773816" y="1988229"/>
-            <a:ext cx="3596369" cy="830997"/>
-          </a:xfrm>
-          <a:prstGeom prst="rect">
-            <a:avLst/>
-          </a:prstGeom>
-          <a:noFill/>
-        </p:spPr>
-        <p:txBody>
-          <a:bodyPr wrap="none" rtlCol="0">
-            <a:spAutoFit/>
-          </a:bodyPr>
-          <a:lstStyle/>
-          <a:p>
-            <a:r>
-              <a:rPr lang="en-US" altLang="ko-KR" sz="4800" dirty="0">
-                <a:solidFill>
-                  <a:srgbClr val="F45452"/>
-                </a:solidFill>
-                <a:latin typeface="나눔스퀘어 Bold" panose="020B0600000101010101" pitchFamily="50" charset="-127"/>
-                <a:ea typeface="나눔스퀘어 Bold" panose="020B0600000101010101" pitchFamily="50" charset="-127"/>
-              </a:rPr>
-              <a:t>THANK YOU</a:t>
-            </a:r>
-            <a:endParaRPr lang="ko-KR" altLang="en-US" sz="4800" dirty="0">
-              <a:solidFill>
-                <a:srgbClr val="F45452"/>
-              </a:solidFill>
-              <a:latin typeface="나눔스퀘어 Bold" panose="020B0600000101010101" pitchFamily="50" charset="-127"/>
-              <a:ea typeface="나눔스퀘어 Bold" panose="020B0600000101010101" pitchFamily="50" charset="-127"/>
-            </a:endParaRPr>
-          </a:p>
-        </p:txBody>
-      </p:sp>
-    </p:spTree>
-    <p:extLst>
-      <p:ext uri="{BB962C8B-B14F-4D97-AF65-F5344CB8AC3E}">
-        <p14:creationId xmlns:p14="http://schemas.microsoft.com/office/powerpoint/2010/main" val="4159410129"/>
-      </p:ext>
-    </p:extLst>
-  </p:cSld>
-  <p:clrMapOvr>
-    <a:masterClrMapping/>
-  </p:clrMapOvr>
-</p:sld>
-</file>
-
 <file path=ppt/slides/slide2.xml><?xml version="1.0" encoding="utf-8"?>
 <p:sld xmlns:a="http://schemas.openxmlformats.org/drawingml/2006/main" xmlns:r="http://schemas.openxmlformats.org/officeDocument/2006/relationships" xmlns:p="http://schemas.openxmlformats.org/presentationml/2006/main">
   <p:cSld>
@@ -3633,14 +3383,14 @@
       </p:grpSpPr>
       <p:sp>
         <p:nvSpPr>
-          <p:cNvPr id="21" name="TextBox 20"/>
+          <p:cNvPr id="7" name="TextBox 6"/>
           <p:cNvSpPr txBox="1"/>
           <p:nvPr/>
         </p:nvSpPr>
         <p:spPr>
           <a:xfrm>
-            <a:off x="210024" y="76071"/>
-            <a:ext cx="465192" cy="707886"/>
+            <a:off x="2773816" y="1988229"/>
+            <a:ext cx="3596369" cy="830997"/>
           </a:xfrm>
           <a:prstGeom prst="rect">
             <a:avLst/>
@@ -3653,134 +3403,30 @@
           </a:bodyPr>
           <a:lstStyle/>
           <a:p>
-            <a:pPr algn="ctr"/>
-            <a:r>
-              <a:rPr lang="en-US" altLang="ko-KR" sz="4000" b="1" spc="-150" dirty="0">
-                <a:solidFill>
-                  <a:schemeClr val="bg1"/>
-                </a:solidFill>
-                <a:latin typeface="나눔바른고딕" panose="020B0603020101020101" pitchFamily="50" charset="-127"/>
-                <a:ea typeface="나눔바른고딕" panose="020B0603020101020101" pitchFamily="50" charset="-127"/>
-              </a:rPr>
-              <a:t>2</a:t>
-            </a:r>
-            <a:endParaRPr lang="ko-KR" altLang="en-US" sz="4000" b="1" spc="-150" dirty="0">
-              <a:solidFill>
-                <a:schemeClr val="bg1"/>
-              </a:solidFill>
-              <a:latin typeface="나눔바른고딕" panose="020B0603020101020101" pitchFamily="50" charset="-127"/>
-              <a:ea typeface="나눔바른고딕" panose="020B0603020101020101" pitchFamily="50" charset="-127"/>
-            </a:endParaRPr>
-          </a:p>
-        </p:txBody>
-      </p:sp>
-      <p:sp>
-        <p:nvSpPr>
-          <p:cNvPr id="22" name="TextBox 21"/>
-          <p:cNvSpPr txBox="1"/>
-          <p:nvPr/>
-        </p:nvSpPr>
-        <p:spPr>
-          <a:xfrm>
-            <a:off x="961562" y="125219"/>
-            <a:ext cx="1420582" cy="646331"/>
-          </a:xfrm>
-          <a:prstGeom prst="rect">
-            <a:avLst/>
-          </a:prstGeom>
-          <a:noFill/>
-        </p:spPr>
-        <p:txBody>
-          <a:bodyPr wrap="none" rtlCol="0">
-            <a:spAutoFit/>
-          </a:bodyPr>
-          <a:lstStyle/>
-          <a:p>
-            <a:pPr algn="ctr"/>
-            <a:r>
-              <a:rPr lang="ko-KR" altLang="en-US" sz="3600" b="1" dirty="0" err="1">
+            <a:r>
+              <a:rPr lang="en-US" altLang="ko-KR" sz="4800" dirty="0">
                 <a:solidFill>
                   <a:srgbClr val="F45452"/>
                 </a:solidFill>
-                <a:latin typeface="나눔바른고딕" panose="020B0603020101020101" pitchFamily="50" charset="-127"/>
-                <a:ea typeface="나눔바른고딕" panose="020B0603020101020101" pitchFamily="50" charset="-127"/>
-              </a:rPr>
-              <a:t>스코프</a:t>
-            </a:r>
-            <a:endParaRPr lang="ko-KR" altLang="en-US" sz="3600" b="1" dirty="0">
+                <a:latin typeface="나눔스퀘어 Bold" panose="020B0600000101010101" pitchFamily="50" charset="-127"/>
+                <a:ea typeface="나눔스퀘어 Bold" panose="020B0600000101010101" pitchFamily="50" charset="-127"/>
+              </a:rPr>
+              <a:t>THANK YOU</a:t>
+            </a:r>
+            <a:endParaRPr lang="ko-KR" altLang="en-US" sz="4800" dirty="0">
               <a:solidFill>
                 <a:srgbClr val="F45452"/>
               </a:solidFill>
-              <a:latin typeface="나눔바른고딕" panose="020B0603020101020101" pitchFamily="50" charset="-127"/>
-              <a:ea typeface="나눔바른고딕" panose="020B0603020101020101" pitchFamily="50" charset="-127"/>
+              <a:latin typeface="나눔스퀘어 Bold" panose="020B0600000101010101" pitchFamily="50" charset="-127"/>
+              <a:ea typeface="나눔스퀘어 Bold" panose="020B0600000101010101" pitchFamily="50" charset="-127"/>
             </a:endParaRPr>
           </a:p>
         </p:txBody>
       </p:sp>
-      <p:pic>
-        <p:nvPicPr>
-          <p:cNvPr id="2" name="그림 1">
-            <a:extLst>
-              <a:ext uri="{FF2B5EF4-FFF2-40B4-BE49-F238E27FC236}">
-                <a16:creationId xmlns:a16="http://schemas.microsoft.com/office/drawing/2014/main" id="{7EA2D0CA-8B5D-4C2C-BFCA-6157A9121973}"/>
-              </a:ext>
-            </a:extLst>
-          </p:cNvPr>
-          <p:cNvPicPr>
-            <a:picLocks noChangeAspect="1"/>
-          </p:cNvPicPr>
-          <p:nvPr/>
-        </p:nvPicPr>
-        <p:blipFill>
-          <a:blip r:embed="rId2"/>
-          <a:stretch>
-            <a:fillRect/>
-          </a:stretch>
-        </p:blipFill>
-        <p:spPr>
-          <a:xfrm>
-            <a:off x="390525" y="2694011"/>
-            <a:ext cx="8362950" cy="2190750"/>
-          </a:xfrm>
-          <a:prstGeom prst="rect">
-            <a:avLst/>
-          </a:prstGeom>
-        </p:spPr>
-      </p:pic>
-      <p:pic>
-        <p:nvPicPr>
-          <p:cNvPr id="3" name="그림 2">
-            <a:extLst>
-              <a:ext uri="{FF2B5EF4-FFF2-40B4-BE49-F238E27FC236}">
-                <a16:creationId xmlns:a16="http://schemas.microsoft.com/office/drawing/2014/main" id="{144B9485-ADB7-4ED6-8A0D-5BAC23D81F63}"/>
-              </a:ext>
-            </a:extLst>
-          </p:cNvPr>
-          <p:cNvPicPr>
-            <a:picLocks noChangeAspect="1"/>
-          </p:cNvPicPr>
-          <p:nvPr/>
-        </p:nvPicPr>
-        <p:blipFill>
-          <a:blip r:embed="rId3"/>
-          <a:stretch>
-            <a:fillRect/>
-          </a:stretch>
-        </p:blipFill>
-        <p:spPr>
-          <a:xfrm>
-            <a:off x="323528" y="821802"/>
-            <a:ext cx="8362950" cy="1834080"/>
-          </a:xfrm>
-          <a:prstGeom prst="rect">
-            <a:avLst/>
-          </a:prstGeom>
-        </p:spPr>
-      </p:pic>
     </p:spTree>
     <p:extLst>
       <p:ext uri="{BB962C8B-B14F-4D97-AF65-F5344CB8AC3E}">
-        <p14:creationId xmlns:p14="http://schemas.microsoft.com/office/powerpoint/2010/main" val="200008041"/>
+        <p14:creationId xmlns:p14="http://schemas.microsoft.com/office/powerpoint/2010/main" val="4159410129"/>
       </p:ext>
     </p:extLst>
   </p:cSld>
